--- a/WarsawBlock.pptx
+++ b/WarsawBlock.pptx
@@ -227,7 +227,7 @@
             </a:ln>
             <a:extLst>
               <a:ext uri="{91240B29-F687-4f45-9708-019B960494DF}">
-                <a14:hiddenLine xmlns:a14="http://schemas.microsoft.com/office/drawing/2010/main" xmlns="" w="9525">
+                <a14:hiddenLine xmlns="" xmlns:a14="http://schemas.microsoft.com/office/drawing/2010/main" w="9525">
                   <a:solidFill>
                     <a:srgbClr val="000000"/>
                   </a:solidFill>
@@ -317,7 +317,7 @@
             </a:ln>
             <a:extLst>
               <a:ext uri="{91240B29-F687-4f45-9708-019B960494DF}">
-                <a14:hiddenLine xmlns:a14="http://schemas.microsoft.com/office/drawing/2010/main" xmlns="" w="9525">
+                <a14:hiddenLine xmlns="" xmlns:a14="http://schemas.microsoft.com/office/drawing/2010/main" w="9525">
                   <a:solidFill>
                     <a:srgbClr val="000000"/>
                   </a:solidFill>
@@ -407,7 +407,7 @@
             </a:ln>
             <a:extLst>
               <a:ext uri="{91240B29-F687-4f45-9708-019B960494DF}">
-                <a14:hiddenLine xmlns:a14="http://schemas.microsoft.com/office/drawing/2010/main" xmlns="" w="9525">
+                <a14:hiddenLine xmlns="" xmlns:a14="http://schemas.microsoft.com/office/drawing/2010/main" w="9525">
                   <a:solidFill>
                     <a:srgbClr val="000000"/>
                   </a:solidFill>
@@ -441,7 +441,7 @@
             </a:ln>
             <a:extLst>
               <a:ext uri="{91240B29-F687-4f45-9708-019B960494DF}">
-                <a14:hiddenLine xmlns:a14="http://schemas.microsoft.com/office/drawing/2010/main" xmlns="" w="9525">
+                <a14:hiddenLine xmlns="" xmlns:a14="http://schemas.microsoft.com/office/drawing/2010/main" w="9525">
                   <a:solidFill>
                     <a:srgbClr val="000000"/>
                   </a:solidFill>
@@ -531,7 +531,7 @@
             </a:ln>
             <a:extLst>
               <a:ext uri="{91240B29-F687-4f45-9708-019B960494DF}">
-                <a14:hiddenLine xmlns:a14="http://schemas.microsoft.com/office/drawing/2010/main" xmlns="" w="9525">
+                <a14:hiddenLine xmlns="" xmlns:a14="http://schemas.microsoft.com/office/drawing/2010/main" w="9525">
                   <a:solidFill>
                     <a:srgbClr val="000000"/>
                   </a:solidFill>
@@ -593,7 +593,7 @@
             </a:ln>
             <a:extLst>
               <a:ext uri="{91240B29-F687-4f45-9708-019B960494DF}">
-                <a14:hiddenLine xmlns:a14="http://schemas.microsoft.com/office/drawing/2010/main" xmlns="" w="9525">
+                <a14:hiddenLine xmlns="" xmlns:a14="http://schemas.microsoft.com/office/drawing/2010/main" w="9525">
                   <a:solidFill>
                     <a:srgbClr val="000000"/>
                   </a:solidFill>
@@ -655,7 +655,7 @@
             </a:ln>
             <a:extLst>
               <a:ext uri="{91240B29-F687-4f45-9708-019B960494DF}">
-                <a14:hiddenLine xmlns:a14="http://schemas.microsoft.com/office/drawing/2010/main" xmlns="" w="9525">
+                <a14:hiddenLine xmlns="" xmlns:a14="http://schemas.microsoft.com/office/drawing/2010/main" w="9525">
                   <a:solidFill>
                     <a:srgbClr val="000000"/>
                   </a:solidFill>
@@ -745,7 +745,7 @@
             </a:ln>
             <a:extLst>
               <a:ext uri="{91240B29-F687-4f45-9708-019B960494DF}">
-                <a14:hiddenLine xmlns:a14="http://schemas.microsoft.com/office/drawing/2010/main" xmlns="" w="9525">
+                <a14:hiddenLine xmlns="" xmlns:a14="http://schemas.microsoft.com/office/drawing/2010/main" w="9525">
                   <a:solidFill>
                     <a:srgbClr val="000000"/>
                   </a:solidFill>
@@ -807,7 +807,7 @@
             </a:ln>
             <a:extLst>
               <a:ext uri="{91240B29-F687-4f45-9708-019B960494DF}">
-                <a14:hiddenLine xmlns:a14="http://schemas.microsoft.com/office/drawing/2010/main" xmlns="" w="9525">
+                <a14:hiddenLine xmlns="" xmlns:a14="http://schemas.microsoft.com/office/drawing/2010/main" w="9525">
                   <a:solidFill>
                     <a:srgbClr val="000000"/>
                   </a:solidFill>
@@ -869,7 +869,7 @@
             </a:ln>
             <a:extLst>
               <a:ext uri="{91240B29-F687-4f45-9708-019B960494DF}">
-                <a14:hiddenLine xmlns:a14="http://schemas.microsoft.com/office/drawing/2010/main" xmlns="" w="9525">
+                <a14:hiddenLine xmlns="" xmlns:a14="http://schemas.microsoft.com/office/drawing/2010/main" w="9525">
                   <a:solidFill>
                     <a:srgbClr val="000000"/>
                   </a:solidFill>
@@ -959,7 +959,7 @@
             </a:ln>
             <a:extLst>
               <a:ext uri="{91240B29-F687-4f45-9708-019B960494DF}">
-                <a14:hiddenLine xmlns:a14="http://schemas.microsoft.com/office/drawing/2010/main" xmlns="" w="9525">
+                <a14:hiddenLine xmlns="" xmlns:a14="http://schemas.microsoft.com/office/drawing/2010/main" w="9525">
                   <a:solidFill>
                     <a:srgbClr val="000000"/>
                   </a:solidFill>
@@ -1049,7 +1049,7 @@
             </a:ln>
             <a:extLst>
               <a:ext uri="{91240B29-F687-4f45-9708-019B960494DF}">
-                <a14:hiddenLine xmlns:a14="http://schemas.microsoft.com/office/drawing/2010/main" xmlns="" w="9525">
+                <a14:hiddenLine xmlns="" xmlns:a14="http://schemas.microsoft.com/office/drawing/2010/main" w="9525">
                   <a:solidFill>
                     <a:srgbClr val="000000"/>
                   </a:solidFill>
@@ -1111,7 +1111,7 @@
             </a:ln>
             <a:extLst>
               <a:ext uri="{91240B29-F687-4f45-9708-019B960494DF}">
-                <a14:hiddenLine xmlns:a14="http://schemas.microsoft.com/office/drawing/2010/main" xmlns="" w="9525">
+                <a14:hiddenLine xmlns="" xmlns:a14="http://schemas.microsoft.com/office/drawing/2010/main" w="9525">
                   <a:solidFill>
                     <a:srgbClr val="000000"/>
                   </a:solidFill>
@@ -1221,7 +1221,7 @@
             </a:ln>
             <a:extLst>
               <a:ext uri="{91240B29-F687-4f45-9708-019B960494DF}">
-                <a14:hiddenLine xmlns:a14="http://schemas.microsoft.com/office/drawing/2010/main" xmlns="" w="9525">
+                <a14:hiddenLine xmlns="" xmlns:a14="http://schemas.microsoft.com/office/drawing/2010/main" w="9525">
                   <a:solidFill>
                     <a:srgbClr val="000000"/>
                   </a:solidFill>
@@ -1283,7 +1283,7 @@
             </a:ln>
             <a:extLst>
               <a:ext uri="{91240B29-F687-4f45-9708-019B960494DF}">
-                <a14:hiddenLine xmlns:a14="http://schemas.microsoft.com/office/drawing/2010/main" xmlns="" w="9525">
+                <a14:hiddenLine xmlns="" xmlns:a14="http://schemas.microsoft.com/office/drawing/2010/main" w="9525">
                   <a:solidFill>
                     <a:srgbClr val="000000"/>
                   </a:solidFill>
@@ -1373,7 +1373,7 @@
             </a:ln>
             <a:extLst>
               <a:ext uri="{91240B29-F687-4f45-9708-019B960494DF}">
-                <a14:hiddenLine xmlns:a14="http://schemas.microsoft.com/office/drawing/2010/main" xmlns="" w="9525">
+                <a14:hiddenLine xmlns="" xmlns:a14="http://schemas.microsoft.com/office/drawing/2010/main" w="9525">
                   <a:solidFill>
                     <a:srgbClr val="000000"/>
                   </a:solidFill>
@@ -1463,7 +1463,7 @@
             </a:ln>
             <a:extLst>
               <a:ext uri="{91240B29-F687-4f45-9708-019B960494DF}">
-                <a14:hiddenLine xmlns:a14="http://schemas.microsoft.com/office/drawing/2010/main" xmlns="" w="9525">
+                <a14:hiddenLine xmlns="" xmlns:a14="http://schemas.microsoft.com/office/drawing/2010/main" w="9525">
                   <a:solidFill>
                     <a:srgbClr val="000000"/>
                   </a:solidFill>
@@ -1525,7 +1525,7 @@
             </a:ln>
             <a:extLst>
               <a:ext uri="{91240B29-F687-4f45-9708-019B960494DF}">
-                <a14:hiddenLine xmlns:a14="http://schemas.microsoft.com/office/drawing/2010/main" xmlns="" w="9525">
+                <a14:hiddenLine xmlns="" xmlns:a14="http://schemas.microsoft.com/office/drawing/2010/main" w="9525">
                   <a:solidFill>
                     <a:srgbClr val="000000"/>
                   </a:solidFill>
@@ -1615,7 +1615,7 @@
             </a:ln>
             <a:extLst>
               <a:ext uri="{91240B29-F687-4f45-9708-019B960494DF}">
-                <a14:hiddenLine xmlns:a14="http://schemas.microsoft.com/office/drawing/2010/main" xmlns="" w="9525">
+                <a14:hiddenLine xmlns="" xmlns:a14="http://schemas.microsoft.com/office/drawing/2010/main" w="9525">
                   <a:solidFill>
                     <a:srgbClr val="000000"/>
                   </a:solidFill>
@@ -1705,7 +1705,7 @@
             </a:ln>
             <a:extLst>
               <a:ext uri="{91240B29-F687-4f45-9708-019B960494DF}">
-                <a14:hiddenLine xmlns:a14="http://schemas.microsoft.com/office/drawing/2010/main" xmlns="" w="9525">
+                <a14:hiddenLine xmlns="" xmlns:a14="http://schemas.microsoft.com/office/drawing/2010/main" w="9525">
                   <a:solidFill>
                     <a:srgbClr val="000000"/>
                   </a:solidFill>
@@ -1761,7 +1761,7 @@
             </a:ln>
             <a:extLst>
               <a:ext uri="{91240B29-F687-4f45-9708-019B960494DF}">
-                <a14:hiddenLine xmlns:a14="http://schemas.microsoft.com/office/drawing/2010/main" xmlns="" w="9525">
+                <a14:hiddenLine xmlns="" xmlns:a14="http://schemas.microsoft.com/office/drawing/2010/main" w="9525">
                   <a:solidFill>
                     <a:srgbClr val="000000"/>
                   </a:solidFill>
@@ -1851,7 +1851,7 @@
             </a:ln>
             <a:extLst>
               <a:ext uri="{91240B29-F687-4f45-9708-019B960494DF}">
-                <a14:hiddenLine xmlns:a14="http://schemas.microsoft.com/office/drawing/2010/main" xmlns="" w="9525">
+                <a14:hiddenLine xmlns="" xmlns:a14="http://schemas.microsoft.com/office/drawing/2010/main" w="9525">
                   <a:solidFill>
                     <a:srgbClr val="000000"/>
                   </a:solidFill>
@@ -1907,7 +1907,7 @@
             </a:ln>
             <a:extLst>
               <a:ext uri="{91240B29-F687-4f45-9708-019B960494DF}">
-                <a14:hiddenLine xmlns:a14="http://schemas.microsoft.com/office/drawing/2010/main" xmlns="" w="9525">
+                <a14:hiddenLine xmlns="" xmlns:a14="http://schemas.microsoft.com/office/drawing/2010/main" w="9525">
                   <a:solidFill>
                     <a:srgbClr val="000000"/>
                   </a:solidFill>
@@ -1997,7 +1997,7 @@
             </a:ln>
             <a:extLst>
               <a:ext uri="{91240B29-F687-4f45-9708-019B960494DF}">
-                <a14:hiddenLine xmlns:a14="http://schemas.microsoft.com/office/drawing/2010/main" xmlns="" w="9525">
+                <a14:hiddenLine xmlns="" xmlns:a14="http://schemas.microsoft.com/office/drawing/2010/main" w="9525">
                   <a:solidFill>
                     <a:srgbClr val="000000"/>
                   </a:solidFill>
@@ -2065,7 +2065,7 @@
             </a:ln>
             <a:extLst>
               <a:ext uri="{91240B29-F687-4f45-9708-019B960494DF}">
-                <a14:hiddenLine xmlns:a14="http://schemas.microsoft.com/office/drawing/2010/main" xmlns="" w="9525">
+                <a14:hiddenLine xmlns="" xmlns:a14="http://schemas.microsoft.com/office/drawing/2010/main" w="9525">
                   <a:solidFill>
                     <a:srgbClr val="000000"/>
                   </a:solidFill>
@@ -2155,7 +2155,7 @@
             </a:ln>
             <a:extLst>
               <a:ext uri="{91240B29-F687-4f45-9708-019B960494DF}">
-                <a14:hiddenLine xmlns:a14="http://schemas.microsoft.com/office/drawing/2010/main" xmlns="" w="9525">
+                <a14:hiddenLine xmlns="" xmlns:a14="http://schemas.microsoft.com/office/drawing/2010/main" w="9525">
                   <a:solidFill>
                     <a:srgbClr val="000000"/>
                   </a:solidFill>
@@ -2223,7 +2223,7 @@
             </a:ln>
             <a:extLst>
               <a:ext uri="{91240B29-F687-4f45-9708-019B960494DF}">
-                <a14:hiddenLine xmlns:a14="http://schemas.microsoft.com/office/drawing/2010/main" xmlns="" w="9525">
+                <a14:hiddenLine xmlns="" xmlns:a14="http://schemas.microsoft.com/office/drawing/2010/main" w="9525">
                   <a:solidFill>
                     <a:srgbClr val="000000"/>
                   </a:solidFill>
@@ -2313,7 +2313,7 @@
             </a:ln>
             <a:extLst>
               <a:ext uri="{91240B29-F687-4f45-9708-019B960494DF}">
-                <a14:hiddenLine xmlns:a14="http://schemas.microsoft.com/office/drawing/2010/main" xmlns="" w="9525">
+                <a14:hiddenLine xmlns="" xmlns:a14="http://schemas.microsoft.com/office/drawing/2010/main" w="9525">
                   <a:solidFill>
                     <a:srgbClr val="000000"/>
                   </a:solidFill>
@@ -2347,7 +2347,7 @@
             </a:ln>
             <a:extLst>
               <a:ext uri="{91240B29-F687-4f45-9708-019B960494DF}">
-                <a14:hiddenLine xmlns:a14="http://schemas.microsoft.com/office/drawing/2010/main" xmlns="" w="9525">
+                <a14:hiddenLine xmlns="" xmlns:a14="http://schemas.microsoft.com/office/drawing/2010/main" w="9525">
                   <a:solidFill>
                     <a:srgbClr val="000000"/>
                   </a:solidFill>
@@ -2437,7 +2437,7 @@
             </a:ln>
             <a:extLst>
               <a:ext uri="{91240B29-F687-4f45-9708-019B960494DF}">
-                <a14:hiddenLine xmlns:a14="http://schemas.microsoft.com/office/drawing/2010/main" xmlns="" w="9525">
+                <a14:hiddenLine xmlns="" xmlns:a14="http://schemas.microsoft.com/office/drawing/2010/main" w="9525">
                   <a:solidFill>
                     <a:srgbClr val="000000"/>
                   </a:solidFill>
@@ -2499,7 +2499,7 @@
             </a:ln>
             <a:extLst>
               <a:ext uri="{91240B29-F687-4f45-9708-019B960494DF}">
-                <a14:hiddenLine xmlns:a14="http://schemas.microsoft.com/office/drawing/2010/main" xmlns="" w="9525">
+                <a14:hiddenLine xmlns="" xmlns:a14="http://schemas.microsoft.com/office/drawing/2010/main" w="9525">
                   <a:solidFill>
                     <a:srgbClr val="000000"/>
                   </a:solidFill>
@@ -2561,7 +2561,7 @@
             </a:ln>
             <a:extLst>
               <a:ext uri="{91240B29-F687-4f45-9708-019B960494DF}">
-                <a14:hiddenLine xmlns:a14="http://schemas.microsoft.com/office/drawing/2010/main" xmlns="" w="9525">
+                <a14:hiddenLine xmlns="" xmlns:a14="http://schemas.microsoft.com/office/drawing/2010/main" w="9525">
                   <a:solidFill>
                     <a:srgbClr val="000000"/>
                   </a:solidFill>
@@ -2651,7 +2651,7 @@
             </a:ln>
             <a:extLst>
               <a:ext uri="{91240B29-F687-4f45-9708-019B960494DF}">
-                <a14:hiddenLine xmlns:a14="http://schemas.microsoft.com/office/drawing/2010/main" xmlns="" w="9525">
+                <a14:hiddenLine xmlns="" xmlns:a14="http://schemas.microsoft.com/office/drawing/2010/main" w="9525">
                   <a:solidFill>
                     <a:srgbClr val="000000"/>
                   </a:solidFill>
@@ -2719,7 +2719,7 @@
             </a:ln>
             <a:extLst>
               <a:ext uri="{91240B29-F687-4f45-9708-019B960494DF}">
-                <a14:hiddenLine xmlns:a14="http://schemas.microsoft.com/office/drawing/2010/main" xmlns="" w="9525">
+                <a14:hiddenLine xmlns="" xmlns:a14="http://schemas.microsoft.com/office/drawing/2010/main" w="9525">
                   <a:solidFill>
                     <a:srgbClr val="000000"/>
                   </a:solidFill>
@@ -2781,7 +2781,7 @@
             </a:ln>
             <a:extLst>
               <a:ext uri="{91240B29-F687-4f45-9708-019B960494DF}">
-                <a14:hiddenLine xmlns:a14="http://schemas.microsoft.com/office/drawing/2010/main" xmlns="" w="9525">
+                <a14:hiddenLine xmlns="" xmlns:a14="http://schemas.microsoft.com/office/drawing/2010/main" w="9525">
                   <a:solidFill>
                     <a:srgbClr val="000000"/>
                   </a:solidFill>
@@ -2871,7 +2871,7 @@
             </a:ln>
             <a:extLst>
               <a:ext uri="{91240B29-F687-4f45-9708-019B960494DF}">
-                <a14:hiddenLine xmlns:a14="http://schemas.microsoft.com/office/drawing/2010/main" xmlns="" w="9525">
+                <a14:hiddenLine xmlns="" xmlns:a14="http://schemas.microsoft.com/office/drawing/2010/main" w="9525">
                   <a:solidFill>
                     <a:srgbClr val="000000"/>
                   </a:solidFill>
@@ -2933,7 +2933,7 @@
             </a:ln>
             <a:extLst>
               <a:ext uri="{91240B29-F687-4f45-9708-019B960494DF}">
-                <a14:hiddenLine xmlns:a14="http://schemas.microsoft.com/office/drawing/2010/main" xmlns="" w="9525">
+                <a14:hiddenLine xmlns="" xmlns:a14="http://schemas.microsoft.com/office/drawing/2010/main" w="9525">
                   <a:solidFill>
                     <a:srgbClr val="000000"/>
                   </a:solidFill>
@@ -3023,7 +3023,7 @@
             </a:ln>
             <a:extLst>
               <a:ext uri="{91240B29-F687-4f45-9708-019B960494DF}">
-                <a14:hiddenLine xmlns:a14="http://schemas.microsoft.com/office/drawing/2010/main" xmlns="" w="9525">
+                <a14:hiddenLine xmlns="" xmlns:a14="http://schemas.microsoft.com/office/drawing/2010/main" w="9525">
                   <a:solidFill>
                     <a:srgbClr val="000000"/>
                   </a:solidFill>
@@ -3085,7 +3085,7 @@
             </a:ln>
             <a:extLst>
               <a:ext uri="{91240B29-F687-4f45-9708-019B960494DF}">
-                <a14:hiddenLine xmlns:a14="http://schemas.microsoft.com/office/drawing/2010/main" xmlns="" w="9525">
+                <a14:hiddenLine xmlns="" xmlns:a14="http://schemas.microsoft.com/office/drawing/2010/main" w="9525">
                   <a:solidFill>
                     <a:srgbClr val="000000"/>
                   </a:solidFill>
@@ -3175,7 +3175,7 @@
             </a:ln>
             <a:extLst>
               <a:ext uri="{91240B29-F687-4f45-9708-019B960494DF}">
-                <a14:hiddenLine xmlns:a14="http://schemas.microsoft.com/office/drawing/2010/main" xmlns="" w="9525">
+                <a14:hiddenLine xmlns="" xmlns:a14="http://schemas.microsoft.com/office/drawing/2010/main" w="9525">
                   <a:solidFill>
                     <a:srgbClr val="000000"/>
                   </a:solidFill>
@@ -3209,7 +3209,7 @@
             </a:ln>
             <a:extLst>
               <a:ext uri="{91240B29-F687-4f45-9708-019B960494DF}">
-                <a14:hiddenLine xmlns:a14="http://schemas.microsoft.com/office/drawing/2010/main" xmlns="" w="9525">
+                <a14:hiddenLine xmlns="" xmlns:a14="http://schemas.microsoft.com/office/drawing/2010/main" w="9525">
                   <a:solidFill>
                     <a:srgbClr val="000000"/>
                   </a:solidFill>
@@ -3274,7 +3274,7 @@
             </a:ln>
             <a:extLst>
               <a:ext uri="{91240B29-F687-4f45-9708-019B960494DF}">
-                <a14:hiddenLine xmlns:a14="http://schemas.microsoft.com/office/drawing/2010/main" xmlns="" w="9525">
+                <a14:hiddenLine xmlns="" xmlns:a14="http://schemas.microsoft.com/office/drawing/2010/main" w="9525">
                   <a:solidFill>
                     <a:srgbClr val="000000"/>
                   </a:solidFill>
@@ -3364,7 +3364,7 @@
             </a:ln>
             <a:extLst>
               <a:ext uri="{91240B29-F687-4f45-9708-019B960494DF}">
-                <a14:hiddenLine xmlns:a14="http://schemas.microsoft.com/office/drawing/2010/main" xmlns="" w="9525">
+                <a14:hiddenLine xmlns="" xmlns:a14="http://schemas.microsoft.com/office/drawing/2010/main" w="9525">
                   <a:solidFill>
                     <a:srgbClr val="000000"/>
                   </a:solidFill>
@@ -3426,7 +3426,7 @@
             </a:ln>
             <a:extLst>
               <a:ext uri="{91240B29-F687-4f45-9708-019B960494DF}">
-                <a14:hiddenLine xmlns:a14="http://schemas.microsoft.com/office/drawing/2010/main" xmlns="" w="9525">
+                <a14:hiddenLine xmlns="" xmlns:a14="http://schemas.microsoft.com/office/drawing/2010/main" w="9525">
                   <a:solidFill>
                     <a:srgbClr val="000000"/>
                   </a:solidFill>
@@ -3516,7 +3516,7 @@
             </a:ln>
             <a:extLst>
               <a:ext uri="{91240B29-F687-4f45-9708-019B960494DF}">
-                <a14:hiddenLine xmlns:a14="http://schemas.microsoft.com/office/drawing/2010/main" xmlns="" w="9525">
+                <a14:hiddenLine xmlns="" xmlns:a14="http://schemas.microsoft.com/office/drawing/2010/main" w="9525">
                   <a:solidFill>
                     <a:srgbClr val="000000"/>
                   </a:solidFill>
@@ -3606,7 +3606,7 @@
             </a:ln>
             <a:extLst>
               <a:ext uri="{91240B29-F687-4f45-9708-019B960494DF}">
-                <a14:hiddenLine xmlns:a14="http://schemas.microsoft.com/office/drawing/2010/main" xmlns="" w="9525">
+                <a14:hiddenLine xmlns="" xmlns:a14="http://schemas.microsoft.com/office/drawing/2010/main" w="9525">
                   <a:solidFill>
                     <a:srgbClr val="000000"/>
                   </a:solidFill>
@@ -3671,7 +3671,7 @@
             </a:ln>
             <a:extLst>
               <a:ext uri="{91240B29-F687-4f45-9708-019B960494DF}">
-                <a14:hiddenLine xmlns:a14="http://schemas.microsoft.com/office/drawing/2010/main" xmlns="" w="9525">
+                <a14:hiddenLine xmlns="" xmlns:a14="http://schemas.microsoft.com/office/drawing/2010/main" w="9525">
                   <a:solidFill>
                     <a:srgbClr val="000000"/>
                   </a:solidFill>
@@ -3733,7 +3733,7 @@
             </a:ln>
             <a:extLst>
               <a:ext uri="{91240B29-F687-4f45-9708-019B960494DF}">
-                <a14:hiddenLine xmlns:a14="http://schemas.microsoft.com/office/drawing/2010/main" xmlns="" w="9525">
+                <a14:hiddenLine xmlns="" xmlns:a14="http://schemas.microsoft.com/office/drawing/2010/main" w="9525">
                   <a:solidFill>
                     <a:srgbClr val="000000"/>
                   </a:solidFill>
@@ -3823,7 +3823,7 @@
             </a:ln>
             <a:extLst>
               <a:ext uri="{91240B29-F687-4f45-9708-019B960494DF}">
-                <a14:hiddenLine xmlns:a14="http://schemas.microsoft.com/office/drawing/2010/main" xmlns="" w="9525">
+                <a14:hiddenLine xmlns="" xmlns:a14="http://schemas.microsoft.com/office/drawing/2010/main" w="9525">
                   <a:solidFill>
                     <a:srgbClr val="000000"/>
                   </a:solidFill>
@@ -3913,7 +3913,7 @@
             </a:ln>
             <a:extLst>
               <a:ext uri="{91240B29-F687-4f45-9708-019B960494DF}">
-                <a14:hiddenLine xmlns:a14="http://schemas.microsoft.com/office/drawing/2010/main" xmlns="" w="9525">
+                <a14:hiddenLine xmlns="" xmlns:a14="http://schemas.microsoft.com/office/drawing/2010/main" w="9525">
                   <a:solidFill>
                     <a:srgbClr val="000000"/>
                   </a:solidFill>
@@ -3975,7 +3975,7 @@
             </a:ln>
             <a:extLst>
               <a:ext uri="{91240B29-F687-4f45-9708-019B960494DF}">
-                <a14:hiddenLine xmlns:a14="http://schemas.microsoft.com/office/drawing/2010/main" xmlns="" w="9525">
+                <a14:hiddenLine xmlns="" xmlns:a14="http://schemas.microsoft.com/office/drawing/2010/main" w="9525">
                   <a:solidFill>
                     <a:srgbClr val="000000"/>
                   </a:solidFill>
@@ -4095,7 +4095,7 @@
             </a:ln>
             <a:extLst>
               <a:ext uri="{91240B29-F687-4f45-9708-019B960494DF}">
-                <a14:hiddenLine xmlns:a14="http://schemas.microsoft.com/office/drawing/2010/main" xmlns="" w="9525">
+                <a14:hiddenLine xmlns="" xmlns:a14="http://schemas.microsoft.com/office/drawing/2010/main" w="9525">
                   <a:solidFill>
                     <a:srgbClr val="000000"/>
                   </a:solidFill>
@@ -4163,7 +4163,7 @@
             </a:ln>
             <a:extLst>
               <a:ext uri="{91240B29-F687-4f45-9708-019B960494DF}">
-                <a14:hiddenLine xmlns:a14="http://schemas.microsoft.com/office/drawing/2010/main" xmlns="" w="9525">
+                <a14:hiddenLine xmlns="" xmlns:a14="http://schemas.microsoft.com/office/drawing/2010/main" w="9525">
                   <a:solidFill>
                     <a:srgbClr val="000000"/>
                   </a:solidFill>
@@ -4253,7 +4253,7 @@
             </a:ln>
             <a:extLst>
               <a:ext uri="{91240B29-F687-4f45-9708-019B960494DF}">
-                <a14:hiddenLine xmlns:a14="http://schemas.microsoft.com/office/drawing/2010/main" xmlns="" w="9525">
+                <a14:hiddenLine xmlns="" xmlns:a14="http://schemas.microsoft.com/office/drawing/2010/main" w="9525">
                   <a:solidFill>
                     <a:srgbClr val="000000"/>
                   </a:solidFill>
@@ -4393,7 +4393,7 @@
           <a:p>
             <a:fld id="{B76943AF-B946-47F7-8510-2C710F5C29B5}" type="datetimeFigureOut">
               <a:rPr lang="en-US" smtClean="0"/>
-              <a:t>10-Nov-17</a:t>
+              <a:t>11-Nov-17</a:t>
             </a:fld>
             <a:endParaRPr lang="en-US"/>
           </a:p>
@@ -4660,7 +4660,7 @@
           <a:p>
             <a:fld id="{B76943AF-B946-47F7-8510-2C710F5C29B5}" type="datetimeFigureOut">
               <a:rPr lang="en-US" smtClean="0"/>
-              <a:t>10-Nov-17</a:t>
+              <a:t>11-Nov-17</a:t>
             </a:fld>
             <a:endParaRPr lang="en-US"/>
           </a:p>
@@ -4856,7 +4856,7 @@
           <a:p>
             <a:fld id="{B76943AF-B946-47F7-8510-2C710F5C29B5}" type="datetimeFigureOut">
               <a:rPr lang="en-US" smtClean="0"/>
-              <a:t>10-Nov-17</a:t>
+              <a:t>11-Nov-17</a:t>
             </a:fld>
             <a:endParaRPr lang="en-US"/>
           </a:p>
@@ -5119,7 +5119,7 @@
           <a:p>
             <a:fld id="{B76943AF-B946-47F7-8510-2C710F5C29B5}" type="datetimeFigureOut">
               <a:rPr lang="en-US" smtClean="0"/>
-              <a:t>10-Nov-17</a:t>
+              <a:t>11-Nov-17</a:t>
             </a:fld>
             <a:endParaRPr lang="en-US"/>
           </a:p>
@@ -5553,7 +5553,7 @@
           <a:p>
             <a:fld id="{B76943AF-B946-47F7-8510-2C710F5C29B5}" type="datetimeFigureOut">
               <a:rPr lang="en-US" smtClean="0"/>
-              <a:t>10-Nov-17</a:t>
+              <a:t>11-Nov-17</a:t>
             </a:fld>
             <a:endParaRPr lang="en-US"/>
           </a:p>
@@ -6099,7 +6099,7 @@
           <a:p>
             <a:fld id="{B76943AF-B946-47F7-8510-2C710F5C29B5}" type="datetimeFigureOut">
               <a:rPr lang="en-US" smtClean="0"/>
-              <a:t>10-Nov-17</a:t>
+              <a:t>11-Nov-17</a:t>
             </a:fld>
             <a:endParaRPr lang="en-US"/>
           </a:p>
@@ -6819,7 +6819,7 @@
           <a:p>
             <a:fld id="{B76943AF-B946-47F7-8510-2C710F5C29B5}" type="datetimeFigureOut">
               <a:rPr lang="en-US" smtClean="0"/>
-              <a:t>10-Nov-17</a:t>
+              <a:t>11-Nov-17</a:t>
             </a:fld>
             <a:endParaRPr lang="en-US"/>
           </a:p>
@@ -6989,7 +6989,7 @@
           <a:p>
             <a:fld id="{B76943AF-B946-47F7-8510-2C710F5C29B5}" type="datetimeFigureOut">
               <a:rPr lang="en-US" smtClean="0"/>
-              <a:t>10-Nov-17</a:t>
+              <a:t>11-Nov-17</a:t>
             </a:fld>
             <a:endParaRPr lang="en-US"/>
           </a:p>
@@ -7169,7 +7169,7 @@
           <a:p>
             <a:fld id="{B76943AF-B946-47F7-8510-2C710F5C29B5}" type="datetimeFigureOut">
               <a:rPr lang="en-US" smtClean="0"/>
-              <a:t>10-Nov-17</a:t>
+              <a:t>11-Nov-17</a:t>
             </a:fld>
             <a:endParaRPr lang="en-US"/>
           </a:p>
@@ -7339,7 +7339,7 @@
           <a:p>
             <a:fld id="{B76943AF-B946-47F7-8510-2C710F5C29B5}" type="datetimeFigureOut">
               <a:rPr lang="en-US" smtClean="0"/>
-              <a:t>10-Nov-17</a:t>
+              <a:t>11-Nov-17</a:t>
             </a:fld>
             <a:endParaRPr lang="en-US"/>
           </a:p>
@@ -7589,7 +7589,7 @@
           <a:p>
             <a:fld id="{B76943AF-B946-47F7-8510-2C710F5C29B5}" type="datetimeFigureOut">
               <a:rPr lang="en-US" smtClean="0"/>
-              <a:t>10-Nov-17</a:t>
+              <a:t>11-Nov-17</a:t>
             </a:fld>
             <a:endParaRPr lang="en-US"/>
           </a:p>
@@ -7821,7 +7821,7 @@
           <a:p>
             <a:fld id="{B76943AF-B946-47F7-8510-2C710F5C29B5}" type="datetimeFigureOut">
               <a:rPr lang="en-US" smtClean="0"/>
-              <a:t>10-Nov-17</a:t>
+              <a:t>11-Nov-17</a:t>
             </a:fld>
             <a:endParaRPr lang="en-US"/>
           </a:p>
@@ -8202,7 +8202,7 @@
           <a:p>
             <a:fld id="{B76943AF-B946-47F7-8510-2C710F5C29B5}" type="datetimeFigureOut">
               <a:rPr lang="en-US" smtClean="0"/>
-              <a:t>10-Nov-17</a:t>
+              <a:t>11-Nov-17</a:t>
             </a:fld>
             <a:endParaRPr lang="en-US"/>
           </a:p>
@@ -8320,7 +8320,7 @@
           <a:p>
             <a:fld id="{B76943AF-B946-47F7-8510-2C710F5C29B5}" type="datetimeFigureOut">
               <a:rPr lang="en-US" smtClean="0"/>
-              <a:t>10-Nov-17</a:t>
+              <a:t>11-Nov-17</a:t>
             </a:fld>
             <a:endParaRPr lang="en-US"/>
           </a:p>
@@ -8415,7 +8415,7 @@
           <a:p>
             <a:fld id="{B76943AF-B946-47F7-8510-2C710F5C29B5}" type="datetimeFigureOut">
               <a:rPr lang="en-US" smtClean="0"/>
-              <a:t>10-Nov-17</a:t>
+              <a:t>11-Nov-17</a:t>
             </a:fld>
             <a:endParaRPr lang="en-US"/>
           </a:p>
@@ -8664,7 +8664,7 @@
           <a:p>
             <a:fld id="{B76943AF-B946-47F7-8510-2C710F5C29B5}" type="datetimeFigureOut">
               <a:rPr lang="en-US" smtClean="0"/>
-              <a:t>10-Nov-17</a:t>
+              <a:t>11-Nov-17</a:t>
             </a:fld>
             <a:endParaRPr lang="en-US"/>
           </a:p>
@@ -8944,7 +8944,7 @@
           <a:p>
             <a:fld id="{B76943AF-B946-47F7-8510-2C710F5C29B5}" type="datetimeFigureOut">
               <a:rPr lang="en-US" smtClean="0"/>
-              <a:t>10-Nov-17</a:t>
+              <a:t>11-Nov-17</a:t>
             </a:fld>
             <a:endParaRPr lang="en-US"/>
           </a:p>
@@ -9103,7 +9103,7 @@
               </a:ln>
               <a:extLst>
                 <a:ext uri="{91240B29-F687-4f45-9708-019B960494DF}">
-                  <a14:hiddenLine xmlns:a14="http://schemas.microsoft.com/office/drawing/2010/main" xmlns="" w="9525">
+                  <a14:hiddenLine xmlns="" xmlns:a14="http://schemas.microsoft.com/office/drawing/2010/main" w="9525">
                     <a:solidFill>
                       <a:srgbClr val="000000"/>
                     </a:solidFill>
@@ -9193,7 +9193,7 @@
               </a:ln>
               <a:extLst>
                 <a:ext uri="{91240B29-F687-4f45-9708-019B960494DF}">
-                  <a14:hiddenLine xmlns:a14="http://schemas.microsoft.com/office/drawing/2010/main" xmlns="" w="9525">
+                  <a14:hiddenLine xmlns="" xmlns:a14="http://schemas.microsoft.com/office/drawing/2010/main" w="9525">
                     <a:solidFill>
                       <a:srgbClr val="000000"/>
                     </a:solidFill>
@@ -9283,7 +9283,7 @@
               </a:ln>
               <a:extLst>
                 <a:ext uri="{91240B29-F687-4f45-9708-019B960494DF}">
-                  <a14:hiddenLine xmlns:a14="http://schemas.microsoft.com/office/drawing/2010/main" xmlns="" w="9525">
+                  <a14:hiddenLine xmlns="" xmlns:a14="http://schemas.microsoft.com/office/drawing/2010/main" w="9525">
                     <a:solidFill>
                       <a:srgbClr val="000000"/>
                     </a:solidFill>
@@ -9345,7 +9345,7 @@
               </a:ln>
               <a:extLst>
                 <a:ext uri="{91240B29-F687-4f45-9708-019B960494DF}">
-                  <a14:hiddenLine xmlns:a14="http://schemas.microsoft.com/office/drawing/2010/main" xmlns="" w="9525">
+                  <a14:hiddenLine xmlns="" xmlns:a14="http://schemas.microsoft.com/office/drawing/2010/main" w="9525">
                     <a:solidFill>
                       <a:srgbClr val="000000"/>
                     </a:solidFill>
@@ -9435,7 +9435,7 @@
               </a:ln>
               <a:extLst>
                 <a:ext uri="{91240B29-F687-4f45-9708-019B960494DF}">
-                  <a14:hiddenLine xmlns:a14="http://schemas.microsoft.com/office/drawing/2010/main" xmlns="" w="9525">
+                  <a14:hiddenLine xmlns="" xmlns:a14="http://schemas.microsoft.com/office/drawing/2010/main" w="9525">
                     <a:solidFill>
                       <a:srgbClr val="000000"/>
                     </a:solidFill>
@@ -9497,7 +9497,7 @@
               </a:ln>
               <a:extLst>
                 <a:ext uri="{91240B29-F687-4f45-9708-019B960494DF}">
-                  <a14:hiddenLine xmlns:a14="http://schemas.microsoft.com/office/drawing/2010/main" xmlns="" w="9525">
+                  <a14:hiddenLine xmlns="" xmlns:a14="http://schemas.microsoft.com/office/drawing/2010/main" w="9525">
                     <a:solidFill>
                       <a:srgbClr val="000000"/>
                     </a:solidFill>
@@ -9559,7 +9559,7 @@
               </a:ln>
               <a:extLst>
                 <a:ext uri="{91240B29-F687-4f45-9708-019B960494DF}">
-                  <a14:hiddenLine xmlns:a14="http://schemas.microsoft.com/office/drawing/2010/main" xmlns="" w="9525">
+                  <a14:hiddenLine xmlns="" xmlns:a14="http://schemas.microsoft.com/office/drawing/2010/main" w="9525">
                     <a:solidFill>
                       <a:srgbClr val="000000"/>
                     </a:solidFill>
@@ -9649,7 +9649,7 @@
               </a:ln>
               <a:extLst>
                 <a:ext uri="{91240B29-F687-4f45-9708-019B960494DF}">
-                  <a14:hiddenLine xmlns:a14="http://schemas.microsoft.com/office/drawing/2010/main" xmlns="" w="9525">
+                  <a14:hiddenLine xmlns="" xmlns:a14="http://schemas.microsoft.com/office/drawing/2010/main" w="9525">
                     <a:solidFill>
                       <a:srgbClr val="000000"/>
                     </a:solidFill>
@@ -9739,7 +9739,7 @@
               </a:ln>
               <a:extLst>
                 <a:ext uri="{91240B29-F687-4f45-9708-019B960494DF}">
-                  <a14:hiddenLine xmlns:a14="http://schemas.microsoft.com/office/drawing/2010/main" xmlns="" w="9525">
+                  <a14:hiddenLine xmlns="" xmlns:a14="http://schemas.microsoft.com/office/drawing/2010/main" w="9525">
                     <a:solidFill>
                       <a:srgbClr val="000000"/>
                     </a:solidFill>
@@ -9801,7 +9801,7 @@
               </a:ln>
               <a:extLst>
                 <a:ext uri="{91240B29-F687-4f45-9708-019B960494DF}">
-                  <a14:hiddenLine xmlns:a14="http://schemas.microsoft.com/office/drawing/2010/main" xmlns="" w="9525">
+                  <a14:hiddenLine xmlns="" xmlns:a14="http://schemas.microsoft.com/office/drawing/2010/main" w="9525">
                     <a:solidFill>
                       <a:srgbClr val="000000"/>
                     </a:solidFill>
@@ -9911,7 +9911,7 @@
               </a:ln>
               <a:extLst>
                 <a:ext uri="{91240B29-F687-4f45-9708-019B960494DF}">
-                  <a14:hiddenLine xmlns:a14="http://schemas.microsoft.com/office/drawing/2010/main" xmlns="" w="9525">
+                  <a14:hiddenLine xmlns="" xmlns:a14="http://schemas.microsoft.com/office/drawing/2010/main" w="9525">
                     <a:solidFill>
                       <a:srgbClr val="000000"/>
                     </a:solidFill>
@@ -9995,7 +9995,7 @@
               </a:ln>
               <a:extLst>
                 <a:ext uri="{91240B29-F687-4f45-9708-019B960494DF}">
-                  <a14:hiddenLine xmlns:a14="http://schemas.microsoft.com/office/drawing/2010/main" xmlns="" w="9525">
+                  <a14:hiddenLine xmlns="" xmlns:a14="http://schemas.microsoft.com/office/drawing/2010/main" w="9525">
                     <a:solidFill>
                       <a:srgbClr val="000000"/>
                     </a:solidFill>
@@ -10057,7 +10057,7 @@
               </a:ln>
               <a:extLst>
                 <a:ext uri="{91240B29-F687-4f45-9708-019B960494DF}">
-                  <a14:hiddenLine xmlns:a14="http://schemas.microsoft.com/office/drawing/2010/main" xmlns="" w="9525">
+                  <a14:hiddenLine xmlns="" xmlns:a14="http://schemas.microsoft.com/office/drawing/2010/main" w="9525">
                     <a:solidFill>
                       <a:srgbClr val="000000"/>
                     </a:solidFill>
@@ -10119,7 +10119,7 @@
               </a:ln>
               <a:extLst>
                 <a:ext uri="{91240B29-F687-4f45-9708-019B960494DF}">
-                  <a14:hiddenLine xmlns:a14="http://schemas.microsoft.com/office/drawing/2010/main" xmlns="" w="9525">
+                  <a14:hiddenLine xmlns="" xmlns:a14="http://schemas.microsoft.com/office/drawing/2010/main" w="9525">
                     <a:solidFill>
                       <a:srgbClr val="000000"/>
                     </a:solidFill>
@@ -10209,7 +10209,7 @@
               </a:ln>
               <a:extLst>
                 <a:ext uri="{91240B29-F687-4f45-9708-019B960494DF}">
-                  <a14:hiddenLine xmlns:a14="http://schemas.microsoft.com/office/drawing/2010/main" xmlns="" w="9525">
+                  <a14:hiddenLine xmlns="" xmlns:a14="http://schemas.microsoft.com/office/drawing/2010/main" w="9525">
                     <a:solidFill>
                       <a:srgbClr val="000000"/>
                     </a:solidFill>
@@ -10243,7 +10243,7 @@
               </a:ln>
               <a:extLst>
                 <a:ext uri="{91240B29-F687-4f45-9708-019B960494DF}">
-                  <a14:hiddenLine xmlns:a14="http://schemas.microsoft.com/office/drawing/2010/main" xmlns="" w="9525">
+                  <a14:hiddenLine xmlns="" xmlns:a14="http://schemas.microsoft.com/office/drawing/2010/main" w="9525">
                     <a:solidFill>
                       <a:srgbClr val="000000"/>
                     </a:solidFill>
@@ -10308,7 +10308,7 @@
               </a:ln>
               <a:extLst>
                 <a:ext uri="{91240B29-F687-4f45-9708-019B960494DF}">
-                  <a14:hiddenLine xmlns:a14="http://schemas.microsoft.com/office/drawing/2010/main" xmlns="" w="9525">
+                  <a14:hiddenLine xmlns="" xmlns:a14="http://schemas.microsoft.com/office/drawing/2010/main" w="9525">
                     <a:solidFill>
                       <a:srgbClr val="000000"/>
                     </a:solidFill>
@@ -10398,7 +10398,7 @@
               </a:ln>
               <a:extLst>
                 <a:ext uri="{91240B29-F687-4f45-9708-019B960494DF}">
-                  <a14:hiddenLine xmlns:a14="http://schemas.microsoft.com/office/drawing/2010/main" xmlns="" w="9525">
+                  <a14:hiddenLine xmlns="" xmlns:a14="http://schemas.microsoft.com/office/drawing/2010/main" w="9525">
                     <a:solidFill>
                       <a:srgbClr val="000000"/>
                     </a:solidFill>
@@ -10460,7 +10460,7 @@
               </a:ln>
               <a:extLst>
                 <a:ext uri="{91240B29-F687-4f45-9708-019B960494DF}">
-                  <a14:hiddenLine xmlns:a14="http://schemas.microsoft.com/office/drawing/2010/main" xmlns="" w="9525">
+                  <a14:hiddenLine xmlns="" xmlns:a14="http://schemas.microsoft.com/office/drawing/2010/main" w="9525">
                     <a:solidFill>
                       <a:srgbClr val="000000"/>
                     </a:solidFill>
@@ -10550,7 +10550,7 @@
               </a:ln>
               <a:extLst>
                 <a:ext uri="{91240B29-F687-4f45-9708-019B960494DF}">
-                  <a14:hiddenLine xmlns:a14="http://schemas.microsoft.com/office/drawing/2010/main" xmlns="" w="9525">
+                  <a14:hiddenLine xmlns="" xmlns:a14="http://schemas.microsoft.com/office/drawing/2010/main" w="9525">
                     <a:solidFill>
                       <a:srgbClr val="000000"/>
                     </a:solidFill>
@@ -10615,7 +10615,7 @@
               </a:ln>
               <a:extLst>
                 <a:ext uri="{91240B29-F687-4f45-9708-019B960494DF}">
-                  <a14:hiddenLine xmlns:a14="http://schemas.microsoft.com/office/drawing/2010/main" xmlns="" w="9525">
+                  <a14:hiddenLine xmlns="" xmlns:a14="http://schemas.microsoft.com/office/drawing/2010/main" w="9525">
                     <a:solidFill>
                       <a:srgbClr val="000000"/>
                     </a:solidFill>
@@ -10677,7 +10677,7 @@
               </a:ln>
               <a:extLst>
                 <a:ext uri="{91240B29-F687-4f45-9708-019B960494DF}">
-                  <a14:hiddenLine xmlns:a14="http://schemas.microsoft.com/office/drawing/2010/main" xmlns="" w="9525">
+                  <a14:hiddenLine xmlns="" xmlns:a14="http://schemas.microsoft.com/office/drawing/2010/main" w="9525">
                     <a:solidFill>
                       <a:srgbClr val="000000"/>
                     </a:solidFill>
@@ -10767,7 +10767,7 @@
               </a:ln>
               <a:extLst>
                 <a:ext uri="{91240B29-F687-4f45-9708-019B960494DF}">
-                  <a14:hiddenLine xmlns:a14="http://schemas.microsoft.com/office/drawing/2010/main" xmlns="" w="9525">
+                  <a14:hiddenLine xmlns="" xmlns:a14="http://schemas.microsoft.com/office/drawing/2010/main" w="9525">
                     <a:solidFill>
                       <a:srgbClr val="000000"/>
                     </a:solidFill>
@@ -10857,7 +10857,7 @@
               </a:ln>
               <a:extLst>
                 <a:ext uri="{91240B29-F687-4f45-9708-019B960494DF}">
-                  <a14:hiddenLine xmlns:a14="http://schemas.microsoft.com/office/drawing/2010/main" xmlns="" w="9525">
+                  <a14:hiddenLine xmlns="" xmlns:a14="http://schemas.microsoft.com/office/drawing/2010/main" w="9525">
                     <a:solidFill>
                       <a:srgbClr val="000000"/>
                     </a:solidFill>
@@ -10922,7 +10922,7 @@
               </a:ln>
               <a:extLst>
                 <a:ext uri="{91240B29-F687-4f45-9708-019B960494DF}">
-                  <a14:hiddenLine xmlns:a14="http://schemas.microsoft.com/office/drawing/2010/main" xmlns="" w="9525">
+                  <a14:hiddenLine xmlns="" xmlns:a14="http://schemas.microsoft.com/office/drawing/2010/main" w="9525">
                     <a:solidFill>
                       <a:srgbClr val="000000"/>
                     </a:solidFill>
@@ -11042,7 +11042,7 @@
               </a:ln>
               <a:extLst>
                 <a:ext uri="{91240B29-F687-4f45-9708-019B960494DF}">
-                  <a14:hiddenLine xmlns:a14="http://schemas.microsoft.com/office/drawing/2010/main" xmlns="" w="9525">
+                  <a14:hiddenLine xmlns="" xmlns:a14="http://schemas.microsoft.com/office/drawing/2010/main" w="9525">
                     <a:solidFill>
                       <a:srgbClr val="000000"/>
                     </a:solidFill>
@@ -11140,7 +11140,7 @@
               </a:ln>
               <a:extLst>
                 <a:ext uri="{91240B29-F687-4f45-9708-019B960494DF}">
-                  <a14:hiddenLine xmlns:a14="http://schemas.microsoft.com/office/drawing/2010/main" xmlns="" w="9525">
+                  <a14:hiddenLine xmlns="" xmlns:a14="http://schemas.microsoft.com/office/drawing/2010/main" w="9525">
                     <a:solidFill>
                       <a:srgbClr val="000000"/>
                     </a:solidFill>
@@ -11255,7 +11255,7 @@
               </a:ln>
               <a:extLst>
                 <a:ext uri="{91240B29-F687-4f45-9708-019B960494DF}">
-                  <a14:hiddenLine xmlns:a14="http://schemas.microsoft.com/office/drawing/2010/main" xmlns="" w="9525">
+                  <a14:hiddenLine xmlns="" xmlns:a14="http://schemas.microsoft.com/office/drawing/2010/main" w="9525">
                     <a:solidFill>
                       <a:srgbClr val="000000"/>
                     </a:solidFill>
@@ -11345,7 +11345,7 @@
               </a:ln>
               <a:extLst>
                 <a:ext uri="{91240B29-F687-4f45-9708-019B960494DF}">
-                  <a14:hiddenLine xmlns:a14="http://schemas.microsoft.com/office/drawing/2010/main" xmlns="" w="9525">
+                  <a14:hiddenLine xmlns="" xmlns:a14="http://schemas.microsoft.com/office/drawing/2010/main" w="9525">
                     <a:solidFill>
                       <a:srgbClr val="000000"/>
                     </a:solidFill>
@@ -11410,7 +11410,7 @@
               </a:ln>
               <a:extLst>
                 <a:ext uri="{91240B29-F687-4f45-9708-019B960494DF}">
-                  <a14:hiddenLine xmlns:a14="http://schemas.microsoft.com/office/drawing/2010/main" xmlns="" w="9525">
+                  <a14:hiddenLine xmlns="" xmlns:a14="http://schemas.microsoft.com/office/drawing/2010/main" w="9525">
                     <a:solidFill>
                       <a:srgbClr val="000000"/>
                     </a:solidFill>
@@ -11500,7 +11500,7 @@
               </a:ln>
               <a:extLst>
                 <a:ext uri="{91240B29-F687-4f45-9708-019B960494DF}">
-                  <a14:hiddenLine xmlns:a14="http://schemas.microsoft.com/office/drawing/2010/main" xmlns="" w="9525">
+                  <a14:hiddenLine xmlns="" xmlns:a14="http://schemas.microsoft.com/office/drawing/2010/main" w="9525">
                     <a:solidFill>
                       <a:srgbClr val="000000"/>
                     </a:solidFill>
@@ -11568,7 +11568,7 @@
               </a:ln>
               <a:extLst>
                 <a:ext uri="{91240B29-F687-4f45-9708-019B960494DF}">
-                  <a14:hiddenLine xmlns:a14="http://schemas.microsoft.com/office/drawing/2010/main" xmlns="" w="9525">
+                  <a14:hiddenLine xmlns="" xmlns:a14="http://schemas.microsoft.com/office/drawing/2010/main" w="9525">
                     <a:solidFill>
                       <a:srgbClr val="000000"/>
                     </a:solidFill>
@@ -11658,7 +11658,7 @@
               </a:ln>
               <a:extLst>
                 <a:ext uri="{91240B29-F687-4f45-9708-019B960494DF}">
-                  <a14:hiddenLine xmlns:a14="http://schemas.microsoft.com/office/drawing/2010/main" xmlns="" w="9525">
+                  <a14:hiddenLine xmlns="" xmlns:a14="http://schemas.microsoft.com/office/drawing/2010/main" w="9525">
                     <a:solidFill>
                       <a:srgbClr val="000000"/>
                     </a:solidFill>
@@ -11726,7 +11726,7 @@
               </a:ln>
               <a:extLst>
                 <a:ext uri="{91240B29-F687-4f45-9708-019B960494DF}">
-                  <a14:hiddenLine xmlns:a14="http://schemas.microsoft.com/office/drawing/2010/main" xmlns="" w="9525">
+                  <a14:hiddenLine xmlns="" xmlns:a14="http://schemas.microsoft.com/office/drawing/2010/main" w="9525">
                     <a:solidFill>
                       <a:srgbClr val="000000"/>
                     </a:solidFill>
@@ -11816,7 +11816,7 @@
               </a:ln>
               <a:extLst>
                 <a:ext uri="{91240B29-F687-4f45-9708-019B960494DF}">
-                  <a14:hiddenLine xmlns:a14="http://schemas.microsoft.com/office/drawing/2010/main" xmlns="" w="9525">
+                  <a14:hiddenLine xmlns="" xmlns:a14="http://schemas.microsoft.com/office/drawing/2010/main" w="9525">
                     <a:solidFill>
                       <a:srgbClr val="000000"/>
                     </a:solidFill>
@@ -11850,7 +11850,7 @@
               </a:ln>
               <a:extLst>
                 <a:ext uri="{91240B29-F687-4f45-9708-019B960494DF}">
-                  <a14:hiddenLine xmlns:a14="http://schemas.microsoft.com/office/drawing/2010/main" xmlns="" w="9525">
+                  <a14:hiddenLine xmlns="" xmlns:a14="http://schemas.microsoft.com/office/drawing/2010/main" w="9525">
                     <a:solidFill>
                       <a:srgbClr val="000000"/>
                     </a:solidFill>
@@ -11990,7 +11990,7 @@
           <a:p>
             <a:fld id="{B76943AF-B946-47F7-8510-2C710F5C29B5}" type="datetimeFigureOut">
               <a:rPr lang="en-US" smtClean="0"/>
-              <a:t>10-Nov-17</a:t>
+              <a:t>11-Nov-17</a:t>
             </a:fld>
             <a:endParaRPr lang="en-US"/>
           </a:p>
@@ -19883,15 +19883,39 @@
             </a:pPr>
             <a:r>
               <a:rPr lang="pl-PL" dirty="0"/>
-              <a:t>EOS is a h</a:t>
-            </a:r>
-            <a:r>
-              <a:rPr lang="en-US" dirty="0" err="1"/>
+              <a:t>EOS is a </a:t>
+            </a:r>
+            <a:r>
+              <a:rPr lang="pl-PL" dirty="0">
+                <a:solidFill>
+                  <a:schemeClr val="tx2"/>
+                </a:solidFill>
+              </a:rPr>
+              <a:t>h</a:t>
+            </a:r>
+            <a:r>
+              <a:rPr lang="en-US" dirty="0" err="1">
+                <a:solidFill>
+                  <a:schemeClr val="tx2"/>
+                </a:solidFill>
+              </a:rPr>
               <a:t>olistic</a:t>
             </a:r>
             <a:r>
               <a:rPr lang="en-US" dirty="0"/>
-              <a:t> approach to high-performance general-purpose consensus</a:t>
+              <a:t> approach to </a:t>
+            </a:r>
+            <a:r>
+              <a:rPr lang="en-US" dirty="0">
+                <a:solidFill>
+                  <a:schemeClr val="tx2"/>
+                </a:solidFill>
+              </a:rPr>
+              <a:t>high-performance</a:t>
+            </a:r>
+            <a:r>
+              <a:rPr lang="en-US" dirty="0"/>
+              <a:t> general-purpose consensus</a:t>
             </a:r>
             <a:r>
               <a:rPr lang="pl-PL" dirty="0"/>
@@ -21476,13 +21500,13 @@
   <p:clrMapOvr>
     <a:masterClrMapping/>
   </p:clrMapOvr>
-  <mc:AlternateContent xmlns:mc="http://schemas.openxmlformats.org/markup-compatibility/2006">
-    <mc:Choice xmlns:p14="http://schemas.microsoft.com/office/powerpoint/2010/main" Requires="p14">
+  <mc:AlternateContent xmlns:mc="http://schemas.openxmlformats.org/markup-compatibility/2006" xmlns:p14="http://schemas.microsoft.com/office/powerpoint/2010/main">
+    <mc:Choice Requires="p14">
       <p:transition spd="slow" p14:dur="2500">
         <p:checker/>
       </p:transition>
     </mc:Choice>
-    <mc:Fallback>
+    <mc:Fallback xmlns="">
       <p:transition spd="slow">
         <p:checker/>
       </p:transition>
@@ -21874,7 +21898,7 @@
                   <a:schemeClr val="tx2"/>
                 </a:solidFill>
               </a:rPr>
-              <a:t>50,000 txns / second </a:t>
+              <a:t>50,000 txns/sec </a:t>
             </a:r>
             <a:r>
               <a:rPr lang="pl-PL" dirty="0"/>
@@ -22138,7 +22162,7 @@
                                         <p:tgtEl>
                                           <p:spTgt spid="3">
                                             <p:txEl>
-                                              <p:charRg st="89" end="157"/>
+                                              <p:pRg st="2" end="2"/>
                                             </p:txEl>
                                           </p:spTgt>
                                         </p:tgtEl>
@@ -22156,7 +22180,7 @@
                                         <p:tgtEl>
                                           <p:spTgt spid="3">
                                             <p:txEl>
-                                              <p:charRg st="89" end="157"/>
+                                              <p:pRg st="2" end="2"/>
                                             </p:txEl>
                                           </p:spTgt>
                                         </p:tgtEl>
@@ -22183,7 +22207,7 @@
                                         <p:tgtEl>
                                           <p:spTgt spid="3">
                                             <p:txEl>
-                                              <p:charRg st="89" end="157"/>
+                                              <p:pRg st="2" end="2"/>
                                             </p:txEl>
                                           </p:spTgt>
                                         </p:tgtEl>
@@ -22241,7 +22265,7 @@
                                         <p:tgtEl>
                                           <p:spTgt spid="3">
                                             <p:txEl>
-                                              <p:charRg st="157" end="177"/>
+                                              <p:pRg st="3" end="3"/>
                                             </p:txEl>
                                           </p:spTgt>
                                         </p:tgtEl>
@@ -22259,7 +22283,7 @@
                                         <p:tgtEl>
                                           <p:spTgt spid="3">
                                             <p:txEl>
-                                              <p:charRg st="157" end="177"/>
+                                              <p:pRg st="3" end="3"/>
                                             </p:txEl>
                                           </p:spTgt>
                                         </p:tgtEl>
@@ -22286,7 +22310,7 @@
                                         <p:tgtEl>
                                           <p:spTgt spid="3">
                                             <p:txEl>
-                                              <p:charRg st="157" end="177"/>
+                                              <p:pRg st="3" end="3"/>
                                             </p:txEl>
                                           </p:spTgt>
                                         </p:tgtEl>
@@ -22344,7 +22368,7 @@
                                         <p:tgtEl>
                                           <p:spTgt spid="3">
                                             <p:txEl>
-                                              <p:charRg st="177" end="195"/>
+                                              <p:pRg st="4" end="4"/>
                                             </p:txEl>
                                           </p:spTgt>
                                         </p:tgtEl>
@@ -22362,7 +22386,7 @@
                                         <p:tgtEl>
                                           <p:spTgt spid="3">
                                             <p:txEl>
-                                              <p:charRg st="177" end="195"/>
+                                              <p:pRg st="4" end="4"/>
                                             </p:txEl>
                                           </p:spTgt>
                                         </p:tgtEl>
@@ -22389,7 +22413,7 @@
                                         <p:tgtEl>
                                           <p:spTgt spid="3">
                                             <p:txEl>
-                                              <p:charRg st="177" end="195"/>
+                                              <p:pRg st="4" end="4"/>
                                             </p:txEl>
                                           </p:spTgt>
                                         </p:tgtEl>
@@ -22774,7 +22798,7 @@
             <a:pPr lvl="1"/>
             <a:r>
               <a:rPr lang="en-US" dirty="0"/>
-              <a:t>a constitution encoded in the blockchain</a:t>
+              <a:t>constitution encoded in the blockchain</a:t>
             </a:r>
             <a:endParaRPr lang="pl-PL" dirty="0"/>
           </a:p>
@@ -24570,7 +24594,7 @@
                                         <p:tgtEl>
                                           <p:spTgt spid="3">
                                             <p:txEl>
-                                              <p:charRg st="221" end="276"/>
+                                              <p:pRg st="2" end="2"/>
                                             </p:txEl>
                                           </p:spTgt>
                                         </p:tgtEl>
@@ -24588,7 +24612,7 @@
                                         <p:tgtEl>
                                           <p:spTgt spid="3">
                                             <p:txEl>
-                                              <p:charRg st="221" end="276"/>
+                                              <p:pRg st="2" end="2"/>
                                             </p:txEl>
                                           </p:spTgt>
                                         </p:tgtEl>
@@ -24615,7 +24639,7 @@
                                         <p:tgtEl>
                                           <p:spTgt spid="3">
                                             <p:txEl>
-                                              <p:charRg st="221" end="276"/>
+                                              <p:pRg st="2" end="2"/>
                                             </p:txEl>
                                           </p:spTgt>
                                         </p:tgtEl>
@@ -24673,7 +24697,7 @@
                                         <p:tgtEl>
                                           <p:spTgt spid="3">
                                             <p:txEl>
-                                              <p:charRg st="276" end="349"/>
+                                              <p:pRg st="3" end="3"/>
                                             </p:txEl>
                                           </p:spTgt>
                                         </p:tgtEl>
@@ -24691,7 +24715,7 @@
                                         <p:tgtEl>
                                           <p:spTgt spid="3">
                                             <p:txEl>
-                                              <p:charRg st="276" end="349"/>
+                                              <p:pRg st="3" end="3"/>
                                             </p:txEl>
                                           </p:spTgt>
                                         </p:tgtEl>
@@ -24718,7 +24742,7 @@
                                         <p:tgtEl>
                                           <p:spTgt spid="3">
                                             <p:txEl>
-                                              <p:charRg st="276" end="349"/>
+                                              <p:pRg st="3" end="3"/>
                                             </p:txEl>
                                           </p:spTgt>
                                         </p:tgtEl>
@@ -26092,13 +26116,13 @@
   <p:clrMapOvr>
     <a:masterClrMapping/>
   </p:clrMapOvr>
-  <mc:AlternateContent xmlns:mc="http://schemas.openxmlformats.org/markup-compatibility/2006">
-    <mc:Choice xmlns:p14="http://schemas.microsoft.com/office/powerpoint/2010/main" Requires="p14">
+  <mc:AlternateContent xmlns:mc="http://schemas.openxmlformats.org/markup-compatibility/2006" xmlns:p14="http://schemas.microsoft.com/office/powerpoint/2010/main">
+    <mc:Choice Requires="p14">
       <p:transition spd="slow" p14:dur="2500">
         <p:checker/>
       </p:transition>
     </mc:Choice>
-    <mc:Fallback>
+    <mc:Fallback xmlns="">
       <p:transition spd="slow">
         <p:checker/>
       </p:transition>
@@ -27611,13 +27635,13 @@
   <p:clrMapOvr>
     <a:masterClrMapping/>
   </p:clrMapOvr>
-  <mc:AlternateContent xmlns:mc="http://schemas.openxmlformats.org/markup-compatibility/2006">
-    <mc:Choice xmlns:p14="http://schemas.microsoft.com/office/powerpoint/2010/main" Requires="p14">
+  <mc:AlternateContent xmlns:mc="http://schemas.openxmlformats.org/markup-compatibility/2006" xmlns:p14="http://schemas.microsoft.com/office/powerpoint/2010/main">
+    <mc:Choice Requires="p14">
       <p:transition spd="slow" p14:dur="2500">
         <p:checker/>
       </p:transition>
     </mc:Choice>
-    <mc:Fallback>
+    <mc:Fallback xmlns="">
       <p:transition spd="slow">
         <p:checker/>
       </p:transition>
@@ -28982,13 +29006,13 @@
   <p:clrMapOvr>
     <a:masterClrMapping/>
   </p:clrMapOvr>
-  <mc:AlternateContent xmlns:mc="http://schemas.openxmlformats.org/markup-compatibility/2006">
-    <mc:Choice xmlns:p14="http://schemas.microsoft.com/office/powerpoint/2010/main" Requires="p14">
+  <mc:AlternateContent xmlns:mc="http://schemas.openxmlformats.org/markup-compatibility/2006" xmlns:p14="http://schemas.microsoft.com/office/powerpoint/2010/main">
+    <mc:Choice Requires="p14">
       <p:transition spd="slow" p14:dur="2500">
         <p:checker/>
       </p:transition>
     </mc:Choice>
-    <mc:Fallback>
+    <mc:Fallback xmlns="">
       <p:transition spd="slow">
         <p:checker/>
       </p:transition>
@@ -29671,13 +29695,13 @@
   <p:clrMapOvr>
     <a:masterClrMapping/>
   </p:clrMapOvr>
-  <mc:AlternateContent xmlns:mc="http://schemas.openxmlformats.org/markup-compatibility/2006">
-    <mc:Choice xmlns:p14="http://schemas.microsoft.com/office/powerpoint/2010/main" Requires="p14">
+  <mc:AlternateContent xmlns:mc="http://schemas.openxmlformats.org/markup-compatibility/2006" xmlns:p14="http://schemas.microsoft.com/office/powerpoint/2010/main">
+    <mc:Choice Requires="p14">
       <p:transition spd="slow" p14:dur="2500">
         <p:checker/>
       </p:transition>
     </mc:Choice>
-    <mc:Fallback>
+    <mc:Fallback xmlns="">
       <p:transition spd="slow">
         <p:checker/>
       </p:transition>
@@ -30182,13 +30206,13 @@
   <p:clrMapOvr>
     <a:masterClrMapping/>
   </p:clrMapOvr>
-  <mc:AlternateContent xmlns:mc="http://schemas.openxmlformats.org/markup-compatibility/2006">
-    <mc:Choice xmlns:p14="http://schemas.microsoft.com/office/powerpoint/2010/main" Requires="p14">
+  <mc:AlternateContent xmlns:mc="http://schemas.openxmlformats.org/markup-compatibility/2006" xmlns:p14="http://schemas.microsoft.com/office/powerpoint/2010/main">
+    <mc:Choice Requires="p14">
       <p:transition spd="slow" p14:dur="2500">
         <p:checker/>
       </p:transition>
     </mc:Choice>
-    <mc:Fallback>
+    <mc:Fallback xmlns="">
       <p:transition spd="slow">
         <p:checker/>
       </p:transition>
@@ -30333,7 +30357,7 @@
                                         <p:tgtEl>
                                           <p:spTgt spid="3">
                                             <p:txEl>
-                                              <p:charRg st="111" end="176"/>
+                                              <p:pRg st="1" end="1"/>
                                             </p:txEl>
                                           </p:spTgt>
                                         </p:tgtEl>
@@ -30351,7 +30375,7 @@
                                         <p:tgtEl>
                                           <p:spTgt spid="3">
                                             <p:txEl>
-                                              <p:charRg st="111" end="176"/>
+                                              <p:pRg st="1" end="1"/>
                                             </p:txEl>
                                           </p:spTgt>
                                         </p:tgtEl>
@@ -30378,7 +30402,7 @@
                                         <p:tgtEl>
                                           <p:spTgt spid="3">
                                             <p:txEl>
-                                              <p:charRg st="111" end="176"/>
+                                              <p:pRg st="1" end="1"/>
                                             </p:txEl>
                                           </p:spTgt>
                                         </p:tgtEl>
@@ -30436,7 +30460,7 @@
                                         <p:tgtEl>
                                           <p:spTgt spid="3">
                                             <p:txEl>
-                                              <p:charRg st="176" end="236"/>
+                                              <p:pRg st="2" end="2"/>
                                             </p:txEl>
                                           </p:spTgt>
                                         </p:tgtEl>
@@ -30454,7 +30478,7 @@
                                         <p:tgtEl>
                                           <p:spTgt spid="3">
                                             <p:txEl>
-                                              <p:charRg st="176" end="236"/>
+                                              <p:pRg st="2" end="2"/>
                                             </p:txEl>
                                           </p:spTgt>
                                         </p:tgtEl>
@@ -30481,7 +30505,7 @@
                                         <p:tgtEl>
                                           <p:spTgt spid="3">
                                             <p:txEl>
-                                              <p:charRg st="176" end="236"/>
+                                              <p:pRg st="2" end="2"/>
                                             </p:txEl>
                                           </p:spTgt>
                                         </p:tgtEl>
@@ -31212,13 +31236,13 @@
   <p:clrMapOvr>
     <a:masterClrMapping/>
   </p:clrMapOvr>
-  <mc:AlternateContent xmlns:mc="http://schemas.openxmlformats.org/markup-compatibility/2006">
-    <mc:Choice xmlns:p14="http://schemas.microsoft.com/office/powerpoint/2010/main" Requires="p14">
+  <mc:AlternateContent xmlns:mc="http://schemas.openxmlformats.org/markup-compatibility/2006" xmlns:p14="http://schemas.microsoft.com/office/powerpoint/2010/main">
+    <mc:Choice Requires="p14">
       <p:transition spd="slow" p14:dur="2500">
         <p:checker/>
       </p:transition>
     </mc:Choice>
-    <mc:Fallback>
+    <mc:Fallback xmlns="">
       <p:transition spd="slow">
         <p:checker/>
       </p:transition>
